--- a/Documents/Presentation/Poster/Poster_MobileMotionTrackingRobotArm.pptx
+++ b/Documents/Presentation/Poster/Poster_MobileMotionTrackingRobotArm.pptx
@@ -3819,7 +3819,29 @@
             </a:r>
             <a:r>
               <a:rPr lang="en-US" sz="7200" dirty="0" smtClean="0"/>
-              <a:t> Jean-Baptiste</a:t>
+              <a:t> </a:t>
+            </a:r>
+            <a:r>
+              <a:rPr lang="en-US" sz="7200" dirty="0" smtClean="0"/>
+              <a:t>Jean-Baptiste</a:t>
+            </a:r>
+          </a:p>
+          <a:p>
+            <a:r>
+              <a:rPr lang="en-US" sz="7200" dirty="0" smtClean="0"/>
+              <a:t>Advisor: Dr. </a:t>
+            </a:r>
+            <a:r>
+              <a:rPr lang="en-US" sz="7200" dirty="0" err="1" smtClean="0"/>
+              <a:t>Bijan</a:t>
+            </a:r>
+            <a:r>
+              <a:rPr lang="en-US" sz="7200" dirty="0" smtClean="0"/>
+              <a:t> </a:t>
+            </a:r>
+            <a:r>
+              <a:rPr lang="en-US" sz="7200" dirty="0" err="1" smtClean="0"/>
+              <a:t>Karimi</a:t>
             </a:r>
             <a:endParaRPr lang="en-US" sz="7200" dirty="0"/>
           </a:p>
@@ -3880,7 +3902,7 @@
         </p:nvSpPr>
         <p:spPr>
           <a:xfrm>
-            <a:off x="1752600" y="21379082"/>
+            <a:off x="15773400" y="21521604"/>
             <a:ext cx="11811000" cy="1015663"/>
           </a:xfrm>
           <a:prstGeom prst="rect">
@@ -4021,7 +4043,7 @@
         </p:nvSpPr>
         <p:spPr>
           <a:xfrm>
-            <a:off x="29794200" y="21434286"/>
+            <a:off x="29910019" y="19446613"/>
             <a:ext cx="11811000" cy="1015663"/>
           </a:xfrm>
           <a:prstGeom prst="rect">
@@ -4062,32 +4084,6 @@
       </p:sp>
       <p:sp>
         <p:nvSpPr>
-          <p:cNvPr id="13" name="TextBox 12"/>
-          <p:cNvSpPr txBox="1"/>
-          <p:nvPr/>
-        </p:nvSpPr>
-        <p:spPr>
-          <a:xfrm>
-            <a:off x="1752600" y="21434286"/>
-            <a:ext cx="11811000" cy="1015663"/>
-          </a:xfrm>
-          <a:prstGeom prst="rect">
-            <a:avLst/>
-          </a:prstGeom>
-          <a:noFill/>
-        </p:spPr>
-        <p:txBody>
-          <a:bodyPr wrap="square" rtlCol="0">
-            <a:spAutoFit/>
-          </a:bodyPr>
-          <a:lstStyle/>
-          <a:p>
-            <a:endParaRPr lang="en-US" sz="6000" dirty="0"/>
-          </a:p>
-        </p:txBody>
-      </p:sp>
-      <p:sp>
-        <p:nvSpPr>
           <p:cNvPr id="14" name="TextBox 13"/>
           <p:cNvSpPr txBox="1"/>
           <p:nvPr/>
@@ -4095,7 +4091,7 @@
         <p:spPr>
           <a:xfrm>
             <a:off x="15773400" y="11517255"/>
-            <a:ext cx="11811000" cy="9325630"/>
+            <a:ext cx="11811000" cy="8094524"/>
           </a:xfrm>
           <a:prstGeom prst="rect">
             <a:avLst/>
@@ -4122,15 +4118,38 @@
           <a:lstStyle/>
           <a:p>
             <a:pPr marL="857250" indent="-857250">
+              <a:spcAft>
+                <a:spcPts val="2400"/>
+              </a:spcAft>
               <a:buFont typeface="Arial" panose="020B0604020202020204" pitchFamily="34" charset="0"/>
               <a:buChar char="•"/>
             </a:pPr>
             <a:r>
               <a:rPr lang="en-US" sz="6000" dirty="0" smtClean="0"/>
-              <a:t>Create a mobile robot arm that is controlled by motion tracking</a:t>
-            </a:r>
-          </a:p>
-          <a:p>
+              <a:t>Create a mobile robot arm that is controlled by motion </a:t>
+            </a:r>
+            <a:r>
+              <a:rPr lang="en-US" sz="6000" dirty="0" smtClean="0"/>
+              <a:t>tracking</a:t>
+            </a:r>
+            <a:endParaRPr lang="en-US" sz="6000" dirty="0" smtClean="0"/>
+          </a:p>
+          <a:p>
+            <a:pPr marL="857250" indent="-857250">
+              <a:spcAft>
+                <a:spcPts val="2400"/>
+              </a:spcAft>
+              <a:buFont typeface="Arial" panose="020B0604020202020204" pitchFamily="34" charset="0"/>
+              <a:buChar char="•"/>
+            </a:pPr>
+            <a:r>
+              <a:rPr lang="en-US" sz="6000" dirty="0" smtClean="0"/>
+              <a:t>Allow the user to control the arm and drive the platform from a </a:t>
+            </a:r>
+            <a:r>
+              <a:rPr lang="en-US" sz="6000" dirty="0" smtClean="0"/>
+              <a:t>distance</a:t>
+            </a:r>
             <a:endParaRPr lang="en-US" sz="6000" dirty="0" smtClean="0"/>
           </a:p>
           <a:p>
@@ -4140,22 +4159,8 @@
             </a:pPr>
             <a:r>
               <a:rPr lang="en-US" sz="6000" dirty="0" smtClean="0"/>
-              <a:t>Allow the user to control the arm and drive the platform from a distance</a:t>
-            </a:r>
-          </a:p>
-          <a:p>
-            <a:endParaRPr lang="en-US" sz="6000" dirty="0" smtClean="0"/>
-          </a:p>
-          <a:p>
-            <a:pPr marL="857250" indent="-857250">
-              <a:buFont typeface="Arial" panose="020B0604020202020204" pitchFamily="34" charset="0"/>
-              <a:buChar char="•"/>
-            </a:pPr>
-            <a:r>
-              <a:rPr lang="en-US" sz="6000" dirty="0" smtClean="0"/>
               <a:t>Prototype a device for possible use in situations unsafe for humans</a:t>
             </a:r>
-            <a:endParaRPr lang="en-US" sz="6000" dirty="0" smtClean="0"/>
           </a:p>
         </p:txBody>
       </p:sp>
@@ -4168,7 +4173,7 @@
         <p:spPr>
           <a:xfrm>
             <a:off x="1752600" y="11517255"/>
-            <a:ext cx="11811000" cy="8402300"/>
+            <a:ext cx="11811000" cy="6555641"/>
           </a:xfrm>
           <a:prstGeom prst="rect">
             <a:avLst/>
@@ -4196,11 +4201,15 @@
           <a:p>
             <a:r>
               <a:rPr lang="en-US" sz="6000" dirty="0" smtClean="0"/>
-              <a:t>We’ve created a robot arm that is controlled simply by moving your hand.  </a:t>
+              <a:t>We’ve created a robot arm that is controlled simply by moving your hand.  The Microsoft Kinect tracks the position of the user’s hand and the Arduino Uno </a:t>
             </a:r>
             <a:r>
               <a:rPr lang="en-US" sz="6000" dirty="0" smtClean="0"/>
-              <a:t>The Microsoft Kinect tracks the position of the user’s hand and the Arduino Uno handles inverse kinematic and linear regression calculations to determine the required servo positions to mimic the user’s movement.</a:t>
+              <a:t>performs </a:t>
+            </a:r>
+            <a:r>
+              <a:rPr lang="en-US" sz="6000" dirty="0" smtClean="0"/>
+              <a:t>calculations to convert the hand’s coordinates to servo positions.</a:t>
             </a:r>
             <a:endParaRPr lang="en-US" sz="6000" dirty="0"/>
           </a:p>
@@ -4214,7 +4223,7 @@
         </p:nvSpPr>
         <p:spPr>
           <a:xfrm>
-            <a:off x="29794200" y="23013513"/>
+            <a:off x="29910019" y="21025840"/>
             <a:ext cx="11811000" cy="3970318"/>
           </a:xfrm>
           <a:prstGeom prst="rect">
@@ -4287,7 +4296,11 @@
           <a:p>
             <a:r>
               <a:rPr lang="en-US" sz="3600" dirty="0" smtClean="0"/>
-              <a:t>     for helping us obtain the required equipment and hardware </a:t>
+              <a:t>     for helping us obtain the required equipment and </a:t>
+            </a:r>
+            <a:r>
+              <a:rPr lang="en-US" sz="3600" dirty="0" smtClean="0"/>
+              <a:t>hardware </a:t>
             </a:r>
           </a:p>
           <a:p>
@@ -4297,7 +4310,15 @@
             </a:r>
             <a:r>
               <a:rPr lang="en-US" sz="3600" dirty="0" smtClean="0"/>
-              <a:t>    needed to complete our project</a:t>
+              <a:t>    </a:t>
+            </a:r>
+            <a:r>
+              <a:rPr lang="en-US" sz="3600" dirty="0" smtClean="0"/>
+              <a:t>to </a:t>
+            </a:r>
+            <a:r>
+              <a:rPr lang="en-US" sz="3600" dirty="0" smtClean="0"/>
+              <a:t>complete our project</a:t>
             </a:r>
           </a:p>
         </p:txBody>
@@ -4395,8 +4416,8 @@
         </p:blipFill>
         <p:spPr>
           <a:xfrm>
-            <a:off x="1001581" y="23180968"/>
-            <a:ext cx="19513881" cy="7384126"/>
+            <a:off x="14401800" y="23317200"/>
+            <a:ext cx="23077619" cy="8732658"/>
           </a:xfrm>
           <a:prstGeom prst="rect">
             <a:avLst/>
@@ -4432,6 +4453,166 @@
           </a:prstGeom>
         </p:spPr>
       </p:pic>
+      <p:sp>
+        <p:nvSpPr>
+          <p:cNvPr id="19" name="TextBox 18"/>
+          <p:cNvSpPr txBox="1"/>
+          <p:nvPr/>
+        </p:nvSpPr>
+        <p:spPr>
+          <a:xfrm>
+            <a:off x="1752600" y="19446613"/>
+            <a:ext cx="11811000" cy="1015663"/>
+          </a:xfrm>
+          <a:prstGeom prst="rect">
+            <a:avLst/>
+          </a:prstGeom>
+          <a:solidFill>
+            <a:schemeClr val="accent1">
+              <a:lumMod val="75000"/>
+            </a:schemeClr>
+          </a:solidFill>
+        </p:spPr>
+        <p:txBody>
+          <a:bodyPr wrap="square" rtlCol="0">
+            <a:spAutoFit/>
+          </a:bodyPr>
+          <a:lstStyle/>
+          <a:p>
+            <a:pPr algn="ctr"/>
+            <a:r>
+              <a:rPr lang="en-US" sz="6000" b="1" dirty="0" smtClean="0">
+                <a:solidFill>
+                  <a:schemeClr val="bg1"/>
+                </a:solidFill>
+                <a:latin typeface="Times New Roman" pitchFamily="18" charset="0"/>
+                <a:cs typeface="Times New Roman" pitchFamily="18" charset="0"/>
+              </a:rPr>
+              <a:t>Methods</a:t>
+            </a:r>
+            <a:endParaRPr lang="en-US" sz="6000" b="1" dirty="0">
+              <a:solidFill>
+                <a:schemeClr val="bg1"/>
+              </a:solidFill>
+              <a:latin typeface="Times New Roman" pitchFamily="18" charset="0"/>
+              <a:cs typeface="Times New Roman" pitchFamily="18" charset="0"/>
+            </a:endParaRPr>
+          </a:p>
+        </p:txBody>
+      </p:sp>
+      <p:sp>
+        <p:nvSpPr>
+          <p:cNvPr id="21" name="TextBox 20"/>
+          <p:cNvSpPr txBox="1"/>
+          <p:nvPr/>
+        </p:nvSpPr>
+        <p:spPr>
+          <a:xfrm>
+            <a:off x="1752600" y="21089354"/>
+            <a:ext cx="11811000" cy="9325630"/>
+          </a:xfrm>
+          <a:prstGeom prst="rect">
+            <a:avLst/>
+          </a:prstGeom>
+        </p:spPr>
+        <p:style>
+          <a:lnRef idx="2">
+            <a:schemeClr val="dk1"/>
+          </a:lnRef>
+          <a:fillRef idx="1">
+            <a:schemeClr val="lt1"/>
+          </a:fillRef>
+          <a:effectRef idx="0">
+            <a:schemeClr val="dk1"/>
+          </a:effectRef>
+          <a:fontRef idx="minor">
+            <a:schemeClr val="dk1"/>
+          </a:fontRef>
+        </p:style>
+        <p:txBody>
+          <a:bodyPr wrap="square" rtlCol="0">
+            <a:spAutoFit/>
+          </a:bodyPr>
+          <a:lstStyle/>
+          <a:p>
+            <a:r>
+              <a:rPr lang="en-US" sz="6000" b="1" dirty="0" smtClean="0"/>
+              <a:t>Microsoft Kinect</a:t>
+            </a:r>
+          </a:p>
+          <a:p>
+            <a:pPr marL="857250" indent="-857250">
+              <a:buFont typeface="Arial" panose="020B0604020202020204" pitchFamily="34" charset="0"/>
+              <a:buChar char="•"/>
+            </a:pPr>
+            <a:r>
+              <a:rPr lang="en-US" sz="6000" i="1" dirty="0" smtClean="0"/>
+              <a:t>Structured light</a:t>
+            </a:r>
+            <a:r>
+              <a:rPr lang="en-US" sz="6000" dirty="0" smtClean="0"/>
+              <a:t> and machine learning algorithms used to detect body positions</a:t>
+            </a:r>
+          </a:p>
+          <a:p>
+            <a:endParaRPr lang="en-US" sz="6000" dirty="0"/>
+          </a:p>
+          <a:p>
+            <a:r>
+              <a:rPr lang="en-US" sz="6000" b="1" dirty="0" smtClean="0"/>
+              <a:t>Arduino Uno</a:t>
+            </a:r>
+          </a:p>
+          <a:p>
+            <a:pPr marL="857250" indent="-857250">
+              <a:buFont typeface="Arial" panose="020B0604020202020204" pitchFamily="34" charset="0"/>
+              <a:buChar char="•"/>
+            </a:pPr>
+            <a:r>
+              <a:rPr lang="en-US" sz="6000" dirty="0" smtClean="0"/>
+              <a:t>Performs inverse kinematic and linear regression calculations to convert 3D coordinates into servo positions</a:t>
+            </a:r>
+          </a:p>
+        </p:txBody>
+      </p:sp>
+      <p:sp>
+        <p:nvSpPr>
+          <p:cNvPr id="2" name="TextBox 1"/>
+          <p:cNvSpPr txBox="1"/>
+          <p:nvPr/>
+        </p:nvSpPr>
+        <p:spPr>
+          <a:xfrm>
+            <a:off x="30986011" y="1744446"/>
+            <a:ext cx="2313390" cy="2400657"/>
+          </a:xfrm>
+          <a:prstGeom prst="rect">
+            <a:avLst/>
+          </a:prstGeom>
+          <a:noFill/>
+        </p:spPr>
+        <p:txBody>
+          <a:bodyPr wrap="square" rtlCol="0">
+            <a:spAutoFit/>
+          </a:bodyPr>
+          <a:lstStyle/>
+          <a:p>
+            <a:r>
+              <a:rPr lang="en-US" sz="15000" dirty="0" smtClean="0">
+                <a:solidFill>
+                  <a:srgbClr val="00B0F0"/>
+                </a:solidFill>
+              </a:rPr>
+              <a:t>17</a:t>
+            </a:r>
+            <a:endParaRPr lang="en-US" sz="15000" dirty="0">
+              <a:solidFill>
+                <a:srgbClr val="00B0F0"/>
+              </a:solidFill>
+            </a:endParaRPr>
+          </a:p>
+        </p:txBody>
+      </p:sp>
     </p:spTree>
     <p:extLst>
       <p:ext uri="{BB962C8B-B14F-4D97-AF65-F5344CB8AC3E}">
